--- a/course/01 从 JavaScript 到 React/01 从 JavaScript 到 React.pptx
+++ b/course/01 从 JavaScript 到 React/01 从 JavaScript 到 React.pptx
@@ -329,7 +329,7 @@
           <a:p>
             <a:fld id="{99F87D24-CCAB-44C4-ACFC-37342AA3EA4E}" type="datetimeFigureOut">
               <a:rPr lang="zh-CN" altLang="en-US" smtClean="0"/>
-              <a:t>2025/2/8</a:t>
+              <a:t>2025/2/9</a:t>
             </a:fld>
             <a:endParaRPr lang="zh-CN" altLang="en-US"/>
           </a:p>
@@ -527,7 +527,7 @@
           <a:p>
             <a:fld id="{99F87D24-CCAB-44C4-ACFC-37342AA3EA4E}" type="datetimeFigureOut">
               <a:rPr lang="zh-CN" altLang="en-US" smtClean="0"/>
-              <a:t>2025/2/8</a:t>
+              <a:t>2025/2/9</a:t>
             </a:fld>
             <a:endParaRPr lang="zh-CN" altLang="en-US"/>
           </a:p>
@@ -735,7 +735,7 @@
           <a:p>
             <a:fld id="{99F87D24-CCAB-44C4-ACFC-37342AA3EA4E}" type="datetimeFigureOut">
               <a:rPr lang="zh-CN" altLang="en-US" smtClean="0"/>
-              <a:t>2025/2/8</a:t>
+              <a:t>2025/2/9</a:t>
             </a:fld>
             <a:endParaRPr lang="zh-CN" altLang="en-US"/>
           </a:p>
@@ -933,7 +933,7 @@
           <a:p>
             <a:fld id="{99F87D24-CCAB-44C4-ACFC-37342AA3EA4E}" type="datetimeFigureOut">
               <a:rPr lang="zh-CN" altLang="en-US" smtClean="0"/>
-              <a:t>2025/2/8</a:t>
+              <a:t>2025/2/9</a:t>
             </a:fld>
             <a:endParaRPr lang="zh-CN" altLang="en-US"/>
           </a:p>
@@ -1208,7 +1208,7 @@
           <a:p>
             <a:fld id="{99F87D24-CCAB-44C4-ACFC-37342AA3EA4E}" type="datetimeFigureOut">
               <a:rPr lang="zh-CN" altLang="en-US" smtClean="0"/>
-              <a:t>2025/2/8</a:t>
+              <a:t>2025/2/9</a:t>
             </a:fld>
             <a:endParaRPr lang="zh-CN" altLang="en-US"/>
           </a:p>
@@ -1473,7 +1473,7 @@
           <a:p>
             <a:fld id="{99F87D24-CCAB-44C4-ACFC-37342AA3EA4E}" type="datetimeFigureOut">
               <a:rPr lang="zh-CN" altLang="en-US" smtClean="0"/>
-              <a:t>2025/2/8</a:t>
+              <a:t>2025/2/9</a:t>
             </a:fld>
             <a:endParaRPr lang="zh-CN" altLang="en-US"/>
           </a:p>
@@ -1885,7 +1885,7 @@
           <a:p>
             <a:fld id="{99F87D24-CCAB-44C4-ACFC-37342AA3EA4E}" type="datetimeFigureOut">
               <a:rPr lang="zh-CN" altLang="en-US" smtClean="0"/>
-              <a:t>2025/2/8</a:t>
+              <a:t>2025/2/9</a:t>
             </a:fld>
             <a:endParaRPr lang="zh-CN" altLang="en-US"/>
           </a:p>
@@ -2026,7 +2026,7 @@
           <a:p>
             <a:fld id="{99F87D24-CCAB-44C4-ACFC-37342AA3EA4E}" type="datetimeFigureOut">
               <a:rPr lang="zh-CN" altLang="en-US" smtClean="0"/>
-              <a:t>2025/2/8</a:t>
+              <a:t>2025/2/9</a:t>
             </a:fld>
             <a:endParaRPr lang="zh-CN" altLang="en-US"/>
           </a:p>
@@ -2139,7 +2139,7 @@
           <a:p>
             <a:fld id="{99F87D24-CCAB-44C4-ACFC-37342AA3EA4E}" type="datetimeFigureOut">
               <a:rPr lang="zh-CN" altLang="en-US" smtClean="0"/>
-              <a:t>2025/2/8</a:t>
+              <a:t>2025/2/9</a:t>
             </a:fld>
             <a:endParaRPr lang="zh-CN" altLang="en-US"/>
           </a:p>
@@ -2450,7 +2450,7 @@
           <a:p>
             <a:fld id="{99F87D24-CCAB-44C4-ACFC-37342AA3EA4E}" type="datetimeFigureOut">
               <a:rPr lang="zh-CN" altLang="en-US" smtClean="0"/>
-              <a:t>2025/2/8</a:t>
+              <a:t>2025/2/9</a:t>
             </a:fld>
             <a:endParaRPr lang="zh-CN" altLang="en-US"/>
           </a:p>
@@ -2741,7 +2741,7 @@
           <a:p>
             <a:fld id="{99F87D24-CCAB-44C4-ACFC-37342AA3EA4E}" type="datetimeFigureOut">
               <a:rPr lang="zh-CN" altLang="en-US" smtClean="0"/>
-              <a:t>2025/2/8</a:t>
+              <a:t>2025/2/9</a:t>
             </a:fld>
             <a:endParaRPr lang="zh-CN" altLang="en-US"/>
           </a:p>
@@ -2982,7 +2982,7 @@
           <a:p>
             <a:fld id="{99F87D24-CCAB-44C4-ACFC-37342AA3EA4E}" type="datetimeFigureOut">
               <a:rPr lang="zh-CN" altLang="en-US" smtClean="0"/>
-              <a:t>2025/2/8</a:t>
+              <a:t>2025/2/9</a:t>
             </a:fld>
             <a:endParaRPr lang="zh-CN" altLang="en-US"/>
           </a:p>
@@ -3850,24 +3850,12 @@
           <a:lstStyle/>
           <a:p>
             <a:r>
-              <a:rPr lang="zh-CN" altLang="en-US" sz="1100" dirty="0"/>
-              <a:t>基于 </a:t>
-            </a:r>
-            <a:r>
               <a:rPr lang="en-US" altLang="zh-CN" sz="1100" dirty="0"/>
               <a:t>Next.js </a:t>
             </a:r>
             <a:r>
               <a:rPr lang="zh-CN" altLang="en-US" sz="1100" dirty="0"/>
-              <a:t>的 </a:t>
-            </a:r>
-            <a:r>
-              <a:rPr lang="en-US" altLang="zh-CN" sz="1100" dirty="0"/>
-              <a:t>Web </a:t>
-            </a:r>
-            <a:r>
-              <a:rPr lang="zh-CN" altLang="en-US" sz="1100" dirty="0"/>
-              <a:t>应用开发 </a:t>
+              <a:t>全栈应用开发 </a:t>
             </a:r>
             <a:r>
               <a:rPr lang="en-US" altLang="zh-CN" sz="1100" dirty="0"/>
